--- a/src/main/document/여신금융협회 대출모집인 상태정리.pptx
+++ b/src/main/document/여신금융협회 대출모집인 상태정리.pptx
@@ -229,7 +229,7 @@
               <a:pPr lvl="0">
                 <a:defRPr/>
               </a:pPr>
-              <a:t>2022-01-03</a:t>
+              <a:t>2022-01-07</a:t>
             </a:fld>
             <a:endParaRPr lang="ko-KR" altLang="en-US"/>
           </a:p>
@@ -746,13 +746,8 @@
             </a:r>
             <a:r>
               <a:rPr lang="en-US" altLang="ko-KR" sz="1400" dirty="0"/>
-              <a:t>: </a:t>
-            </a:r>
-            <a:r>
-              <a:rPr lang="ko-KR" altLang="en-US" sz="1400" dirty="0"/>
-              <a:t>가등록 삭제</a:t>
-            </a:r>
-            <a:endParaRPr lang="en-US" altLang="ko-KR" sz="1400" dirty="0"/>
+              <a:t>:</a:t>
+            </a:r>
           </a:p>
           <a:p>
             <a:pPr marL="0" indent="0">
@@ -778,6 +773,19 @@
               <a:rPr lang="en-US" altLang="ko-KR" sz="1400" dirty="0"/>
               <a:t>(delete)</a:t>
             </a:r>
+            <a:r>
+              <a:rPr lang="ko-KR" altLang="en-US" sz="1400" dirty="0"/>
+              <a:t> </a:t>
+            </a:r>
+            <a:r>
+              <a:rPr lang="ko-KR" altLang="en-US" sz="1400" dirty="0" err="1"/>
+              <a:t>가등록</a:t>
+            </a:r>
+            <a:r>
+              <a:rPr lang="ko-KR" altLang="en-US" sz="1400" dirty="0"/>
+              <a:t> 삭제</a:t>
+            </a:r>
+            <a:endParaRPr lang="en-US" altLang="ko-KR" sz="1400" dirty="0"/>
           </a:p>
           <a:p>
             <a:pPr marL="0" indent="0">
@@ -818,8 +826,12 @@
               <a:t>: </a:t>
             </a:r>
             <a:r>
-              <a:rPr lang="ko-KR" altLang="en-US" sz="1400"/>
-              <a:t>본등록 완료</a:t>
+              <a:rPr lang="ko-KR" altLang="en-US" sz="1400" dirty="0" err="1"/>
+              <a:t>본등록</a:t>
+            </a:r>
+            <a:r>
+              <a:rPr lang="ko-KR" altLang="en-US" sz="1400" dirty="0"/>
+              <a:t> 완료</a:t>
             </a:r>
             <a:endParaRPr lang="en-US" altLang="ko-KR" sz="1400" dirty="0"/>
           </a:p>
@@ -1047,7 +1059,7 @@
             <a:fld id="{940A130E-E3B8-4EBE-931F-81B26B8448AA}" type="datetime1">
               <a:rPr lang="ko-KR" altLang="en-US" smtClean="0"/>
               <a:pPr/>
-              <a:t>2022-01-03</a:t>
+              <a:t>2022-01-07</a:t>
             </a:fld>
             <a:endParaRPr lang="ko-KR" altLang="en-US"/>
           </a:p>
@@ -1172,7 +1184,7 @@
             <a:fld id="{CA348888-F454-4AD2-BA62-3AF29D9807C0}" type="datetime1">
               <a:rPr lang="ko-KR" altLang="en-US" smtClean="0"/>
               <a:pPr/>
-              <a:t>2022-01-03</a:t>
+              <a:t>2022-01-07</a:t>
             </a:fld>
             <a:endParaRPr lang="ko-KR" altLang="en-US"/>
           </a:p>
@@ -1360,7 +1372,7 @@
             <a:fld id="{956FEC12-A4C9-4837-AF94-AD867782C04C}" type="datetime1">
               <a:rPr lang="ko-KR" altLang="en-US" smtClean="0"/>
               <a:pPr/>
-              <a:t>2022-01-03</a:t>
+              <a:t>2022-01-07</a:t>
             </a:fld>
             <a:endParaRPr lang="ko-KR" altLang="en-US"/>
           </a:p>
@@ -1535,7 +1547,7 @@
             <a:fld id="{957F84A3-4F29-4053-ACFD-1BAF2D3F140C}" type="datetime1">
               <a:rPr lang="ko-KR" altLang="en-US" smtClean="0"/>
               <a:pPr/>
-              <a:t>2022-01-03</a:t>
+              <a:t>2022-01-07</a:t>
             </a:fld>
             <a:endParaRPr lang="ko-KR" altLang="en-US"/>
           </a:p>
@@ -1700,7 +1712,7 @@
             <a:fld id="{4953836A-82A3-4C8B-9D31-CD724F3673ED}" type="datetime1">
               <a:rPr lang="ko-KR" altLang="en-US" smtClean="0"/>
               <a:pPr/>
-              <a:t>2022-01-03</a:t>
+              <a:t>2022-01-07</a:t>
             </a:fld>
             <a:endParaRPr lang="ko-KR" altLang="en-US"/>
           </a:p>
@@ -1792,7 +1804,7 @@
             <a:fld id="{AD2EBAF6-36D0-4DD8-B695-D4C1B37E35D6}" type="datetime1">
               <a:rPr lang="ko-KR" altLang="en-US" smtClean="0"/>
               <a:pPr/>
-              <a:t>2022-01-03</a:t>
+              <a:t>2022-01-07</a:t>
             </a:fld>
             <a:endParaRPr lang="ko-KR" altLang="en-US"/>
           </a:p>
@@ -2034,7 +2046,7 @@
             <a:fld id="{60728D28-603B-4EFC-80F8-17E5E9107035}" type="datetime1">
               <a:rPr lang="ko-KR" altLang="en-US" smtClean="0"/>
               <a:pPr/>
-              <a:t>2022-01-03</a:t>
+              <a:t>2022-01-07</a:t>
             </a:fld>
             <a:endParaRPr lang="ko-KR" altLang="en-US"/>
           </a:p>
@@ -2316,7 +2328,7 @@
             <a:fld id="{A27A1F4E-0809-4239-8034-C38E431DAF92}" type="datetime1">
               <a:rPr lang="ko-KR" altLang="en-US" smtClean="0"/>
               <a:pPr/>
-              <a:t>2022-01-03</a:t>
+              <a:t>2022-01-07</a:t>
             </a:fld>
             <a:endParaRPr lang="ko-KR" altLang="en-US"/>
           </a:p>
@@ -2430,7 +2442,7 @@
             <a:fld id="{5E0DA496-7307-4E8B-88DE-CB97B48BAB6F}" type="datetime1">
               <a:rPr lang="ko-KR" altLang="en-US" smtClean="0"/>
               <a:pPr/>
-              <a:t>2022-01-03</a:t>
+              <a:t>2022-01-07</a:t>
             </a:fld>
             <a:endParaRPr lang="ko-KR" altLang="en-US"/>
           </a:p>
@@ -2577,7 +2589,7 @@
             <a:fld id="{58721E90-850C-410B-8B89-8394F580CFDA}" type="datetime1">
               <a:rPr lang="ko-KR" altLang="en-US" smtClean="0"/>
               <a:pPr/>
-              <a:t>2022-01-03</a:t>
+              <a:t>2022-01-07</a:t>
             </a:fld>
             <a:endParaRPr lang="ko-KR" altLang="en-US"/>
           </a:p>
@@ -3027,7 +3039,7 @@
             <a:fld id="{5ACE7E28-9336-4363-8674-B91477D8F243}" type="datetime1">
               <a:rPr lang="ko-KR" altLang="en-US" smtClean="0"/>
               <a:pPr/>
-              <a:t>2022-01-03</a:t>
+              <a:t>2022-01-07</a:t>
             </a:fld>
             <a:endParaRPr lang="ko-KR" altLang="en-US"/>
           </a:p>
@@ -3278,7 +3290,7 @@
             <a:fld id="{5ACE7E28-9336-4363-8674-B91477D8F243}" type="datetime1">
               <a:rPr lang="ko-KR" altLang="en-US" smtClean="0"/>
               <a:pPr/>
-              <a:t>2022-01-03</a:t>
+              <a:t>2022-01-07</a:t>
             </a:fld>
             <a:endParaRPr lang="ko-KR" altLang="en-US"/>
           </a:p>
@@ -3487,7 +3499,7 @@
             <a:fld id="{D422D86A-5F52-4165-8473-F1B836277586}" type="datetime1">
               <a:rPr lang="ko-KR" altLang="en-US" smtClean="0"/>
               <a:pPr/>
-              <a:t>2022-01-03</a:t>
+              <a:t>2022-01-07</a:t>
             </a:fld>
             <a:endParaRPr lang="ko-KR" altLang="en-US"/>
           </a:p>
@@ -4992,7 +5004,7 @@
     <mc:Choice Requires="p14">
       <p:transition/>
     </mc:Choice>
-    <mc:Fallback xmlns:dsp="http://schemas.microsoft.com/office/drawing/2008/diagram" xmlns:dgm="http://schemas.openxmlformats.org/drawingml/2006/diagram" xmlns:c="http://schemas.openxmlformats.org/drawingml/2006/chart" xmlns="">
+    <mc:Fallback xmlns="" xmlns:c="http://schemas.openxmlformats.org/drawingml/2006/chart" xmlns:dgm="http://schemas.openxmlformats.org/drawingml/2006/diagram" xmlns:dsp="http://schemas.microsoft.com/office/drawing/2008/diagram">
       <p:transition/>
     </mc:Fallback>
   </mc:AlternateContent>
